--- a/Flask-Project/test2.pptx
+++ b/Flask-Project/test2.pptx
@@ -11,6 +11,7 @@
     <p:sldId id="259" r:id="rId11"/>
     <p:sldId id="260" r:id="rId12"/>
     <p:sldId id="261" r:id="rId13"/>
+    <p:sldId id="262" r:id="rId14"/>
   </p:sldIdLst>
   <p:sldSz cx="9144000" cy="6858000" type="screen4x3"/>
   <p:notesSz cx="6858000" cy="9144000"/>
@@ -505,41 +506,57 @@
         <p:txBody>
           <a:bodyPr/>
           <a:lstStyle/>
+          <a:p>
+            <a:r>
+              <a:t>.</a:t>
+            </a:r>
+          </a:p>
           <a:p/>
+          <a:p>
+            <a:r>
+              <a:t>Photosynthesis, a fundamental process for life on Earth, is the biochemical pathway by which green plants, algae, and some bacteria convert carbon dioxide into organic compounds, while concurrently releasing oxygen as a waste product. This process is crucial for maintaining the Earth's atmosphere and supporting all aerobic organisms, including humans.</a:t>
+            </a:r>
+          </a:p>
           <a:p/>
           <a:p>
             <a:r>
-              <a:t>Photosynthesis, a fundamental process essential for life on Earth, is the means by which green plants, algae, and cyanobacteria convert light energy into chemical energy. This biochemical process primarily takes place within organelles called chloroplasts, which are found in the cells of these organisms. The process of photosynthesis can be divided into two main stages: the light-dependent reactions and the light-independent reactions, also known as the Calvin cycle.</a:t>
+              <a:t>The process of photosynthesis can be divided into two main phases: the light-dependent reactions and the light-independent reactions, also known as the Calvin cycle. The light-dependent reactions occur in the thylakoid membrane of the chloroplast, where energy from sunlight is captured and converted into chemical energy.</a:t>
             </a:r>
           </a:p>
           <a:p/>
           <a:p>
             <a:r>
-              <a:t>In the first stage, the light-dependent reactions, the plant absorbs sunlight, primarily in the visible spectrum, through its leaves. This light energy is used to split water molecules into hydrogen, oxygen, and electrons. The hydrogen and oxygen are stored separately within the plant, with the oxygen being released into the atmosphere. The electrons, along with carbon dioxide from the air and nutrients from the soil, are passed through a series of electron transport chains and enzymes to produce ATP (adenosine triphosphate) and NADPH (nicotinamide adenine dinucleotide phosphate). These molecules serve as the primary source of energy for the second stage of photosynthesis.</a:t>
+              <a:t>The first step in the light-dependent reactions is the absorption of photons by pigments, primarily chlorophyll, located within the thylakoid membrane. These pigments absorb light energy and transfer it to a reaction center, initiating a series of redox reactions. The initial electron donor is water (H2O), which is split into protons (H+), electrons (e-), and molecular oxygen (O2). The protons are used to create an electrochemical gradient across the thylakoid membrane, driving the synthesis of ATP (adenosine triphosphate) via ATP synthase. The electrons, meanwhile, travel through a series of proteins called electron transport chains, ultimately reducing NADP+ (nicotinamide adenine dinucleotide phosphate) to NADPH (reduced nicotinamide adenine dinucleotide phosphate).</a:t>
             </a:r>
           </a:p>
           <a:p/>
           <a:p>
             <a:r>
-              <a:t>The light-independent reactions, or Calvin cycle, take place within stroma of the chloroplasts. Here, the ATP and NADPH produced during the light-dependent reactions are utilized to convert carbon dioxide into glucose, a simple sugar that serves as the primary form of energy storage for plants. This process involves three main phases: fixation, reduction, and regeneration.</a:t>
+              <a:t>The ATP and NADPH produced during the light-dependent reactions serve as energy carriers for the light-independent reactions, which take place in the stroma of the chloroplast. In this phase, carbon dioxide is fixed into organic molecules, primarily glucose (C6H12O6). This process occurs in three stages: carbon fixation, reduction, and regeneration.</a:t>
             </a:r>
           </a:p>
           <a:p/>
           <a:p>
             <a:r>
-              <a:t>During the fixation phase, an enzyme called Rubisco (ribulose bisphosphate carboxylase/oxygenase) combines carbon dioxide with a five-carbon compound called ribulose bisphosphate to form two three-carbon compounds. In the reduction phase, the three-carbon compounds undergo a series of reactions involving NADPH and ATP, resulting in the formation of a six-carbon compound called glyceraldehyde 3-phosphate. Finally, in the regeneration phase, the ribulose bisphosphate used in the fixation phase is reformed, allowing the Calvin cycle to continue.</a:t>
+              <a:t>During carbon fixation, a five-carbon sugar called ribulose bisphosphate (RuBP) reacts with carbon dioxide to form two molecules of 3-phosphoglycerate. In the reduction stage, these intermediates are converted into 2-phosphoglycerate, which is then phosphorylated to form one molecule each of glyceraldehyde 3-phosphate (G3P) and 3-phosphoglycerate. Finally, in the regeneration stage, G3P is converted back into RuBP, allowing the process to repeat.</a:t>
             </a:r>
           </a:p>
           <a:p/>
           <a:p>
             <a:r>
-              <a:t>The glucose formed during the Calvin cycle can be used immediately for energy or stored for later use. If it's not needed right away, the glucose molecule can be converted into other carbohydrates, such as cellulose for structural support, or starch for long-term energy storage. In addition, some of the glucose may be used to create more complex molecules, such as proteins, fats, and nucleic acids, which are essential for growth and reproduction.</a:t>
+              <a:t>The overall equation for photosynthesis can be represented as follows:</a:t>
             </a:r>
           </a:p>
           <a:p/>
           <a:p>
             <a:r>
-              <a:t>Photosynthesis plays a crucial role in maintaining the balance of oxygen and carbon dioxide in the Earth's atmosphere. By converting carbon dioxide into organic matter, photosynthesis effectively removes carbon dioxide from the atmosphere, helping to reduce its levels and mitigate climate change. Conversely, the release of oxygen during photosynthesis contributes to the Earth</a:t>
+              <a:t>6 CO2 + 6 H2O + light energy → C6H12O6 + 6 O2 + 6 H2O</a:t>
+            </a:r>
+          </a:p>
+          <a:p/>
+          <a:p>
+            <a:r>
+              <a:t>This equation illustrates that for every six molecules of carbon dioxide absorbed, six molecules of glucose are produced, along with six molecules of water and six molecules of oxygen. The oxygen is released as a waste product, while the glucose serves as food for the plant,</a:t>
             </a:r>
           </a:p>
         </p:txBody>
@@ -607,47 +624,51 @@
         <p:txBody>
           <a:bodyPr/>
           <a:lstStyle/>
+          <a:p>
+            <a:r>
+              <a:t>:</a:t>
+            </a:r>
+          </a:p>
           <a:p/>
+          <a:p>
+            <a:r>
+              <a:t>Chloroplasts are the powerhouses of the plant kingdom, playing a pivotal role in photosynthesis. These organelles are found within the eukaryotic cells of green plants, algae, and some bacteria, and they are responsible for converting light energy into chemical energy through a process known as photophosphorylation.</a:t>
+            </a:r>
+          </a:p>
           <a:p/>
           <a:p>
             <a:r>
-              <a:t>Carbon Dioxide (CO2) and Water (H2O) play essential roles in the process of photosynthesis, a fundamental biological activity carried out by green plants, algae, and certain bacteria. This process converts carbon dioxide and water, with the help of sunlight, into glucose (a type of sugar), oxygen, and other products.</a:t>
+              <a:t>The structure of chloroplasts is intricate and complex, designed to facilitate the process of photosynthesis. The chloroplast contains a double membrane, with an intermembrane space between them. Within this double membrane lies the stroma, a fluid-like matrix that serves as the site for various metabolic reactions. The inner boundary of the double membrane houses the thylakoid membrane, which contains pigments such as chlorophyll, carotenoids, and phycobilins that absorb light energy.</a:t>
             </a:r>
           </a:p>
           <a:p/>
           <a:p>
             <a:r>
-              <a:t>During photosynthesis, carbon dioxide acts as a primary source of carbon for the plant. It enters the plant through tiny openings on the leaves called stomata. Inside the plant cells, the carbon dioxide molecules are captured and utilized within the chloroplasts, the organelles responsible for carrying out photosynthesis.</a:t>
+              <a:t>The thylakoid membrane is folded into sacs called thylakoids, which form a network of interconnected tubes. The lumen, or space within the thylakoids, is where the photosynthetic electron transport chain is located. This chain facilitates the transfer of electrons from water molecules to carbon dioxide, generating ATP (adenosine triphosphate) and NADPH (nicotinamide adenine dinucleotide phosphate), two crucial energy-carrying molecules.</a:t>
             </a:r>
           </a:p>
           <a:p/>
           <a:p>
             <a:r>
-              <a:t>Within the chloroplasts, an enzyme called Rubisco (Ribulose-1,5-bisphosphate carboxylase/oxygenase) catalyzes the first significant step of photosynthesis. Rubisco combines carbon dioxide with a five-carbon compound called ribulose bisphosphate to form two molecules of a three-carbon compound called phosphoglycerate.</a:t>
+              <a:t>The light-dependent reactions occur within the thylakoid membrane. During these reactions, sunlight is absorbed by chlorophyll, triggering a series of events that result in the production of ATP and NADPH. The light-independent reactions, also known as the Calvin cycle, take place in the stroma. Here, carbon dioxide is fixed into organic compounds using the energy stored in ATP and NADPH.</a:t>
             </a:r>
           </a:p>
           <a:p/>
           <a:p>
             <a:r>
-              <a:t>Phosphoglycerate then undergoes further reactions, ultimately resulting in the production of glucose, which serves as a vital energy source for the plant. In addition to providing energy, glucose also serves as a building block for various other organic compounds that the plant needs for growth and development.</a:t>
+              <a:t>The chloroplast also contains several other important components. For instance, the ribosomes, which are essential for protein synthesis, are found on the outer surface of the chloroplast. Additionally, the chloroplast genome, located within the chloroplast, encodes genes necessary for the synthesis of proteins involved in photosynthesis.</a:t>
             </a:r>
           </a:p>
           <a:p/>
           <a:p>
             <a:r>
-              <a:t>Meanwhile, water acts as both a reactant and a solvent during photosynthesis. The water molecules are split into hydrogen ions (protons) and electrons within the chloroplasts. The protons are used to create ATP (adenosine triphosphate), another crucial energy carrier for the plant. The electrons, along with the energy from sunlight, are used to power the electron transport chain, a series of reactions that generate a flow of electrons and produce ATP.</a:t>
+              <a:t>The efficiency of photosynthesis depends on various factors, including the amount of sunlight, temperature, and the availability of carbon dioxide. Chloroplasts have evolved mechanisms to adapt to these changing conditions. For example, they can adjust the number of thylakoids, change the orientation of their chlorophyll molecules, and regulate the opening and closing of stomata, small pores on the plant's leaves that allow for gas exchange.</a:t>
             </a:r>
           </a:p>
           <a:p/>
           <a:p>
             <a:r>
-              <a:t>The oxygen produced during photosynthesis is a byproduct of the water splitting reaction. Oxygen gas diffuses out of the plant through the same stomata through which carbon dioxide entered. This oxygen is vital for aerobic organisms, including humans, as it is essential for cellular respiration, a process that provides energy for most life forms on Earth.</a:t>
-            </a:r>
-          </a:p>
-          <a:p/>
-          <a:p>
-            <a:r>
-              <a:t>In summary, Carbon Dioxide and Water are integral components of photosynthesis. Carbon Dioxide provides the carbon needed for the plant to synthesize glucose and other organic compounds, while Water splits to produce ATP and oxygen. Photosynthesis not only supplies plants with the energy they need but also plays a critical role in the global carbon cycle and the production of oxygen in our atmosphere.</a:t>
+              <a:t>In conclusion, chloroplasts play a vital role in photosynthesis, the process by which plants convert light energy into chemical energy. They contain a complex structure that facilitates both light-dependent and light-independent reactions, and they possess mechanisms to adapt to varying environmental conditions. Understanding the role and structure of chloroplasts provides valuable insights into the workings of photosynthesis and the overall health of plants.</a:t>
             </a:r>
           </a:p>
         </p:txBody>
@@ -719,43 +740,49 @@
           <a:p/>
           <a:p>
             <a:r>
-              <a:t>Chlorophyll, a green pigment found in plants and algae, plays a crucial role in the process of photosynthesis. This complex molecule is responsible for absorbing light energy, converting it into chemical energy, and utilizing it to produce glucose and oxygen. The specific wavelengths of light that chlorophyll can absorb are determined by its molecular structure.</a:t>
+              <a:t>Carbon Dioxide (CO2) plays a pivotal role in the process of photosynthesis, a fundamental biological process that converts carbon dioxide and water into glucose and oxygen. This cyclical process is essential for life on Earth, as it provides organisms with energy and maintains the planet's oxygen levels.</a:t>
             </a:r>
           </a:p>
           <a:p/>
           <a:p>
             <a:r>
-              <a:t>Chlorophyll molecules have a porphyrin ring structure at their core, which contains magnesium. This central structure is surrounded by various side chains, some of which contain nitrogen atoms. The arrangement of these side chains and the presence of nitrogen atoms create a unique electronic structure in the chlorophyll molecule.</a:t>
+              <a:t>In photosynthesis, CO2 serves as the primary source of carbon for the organic compounds that plants, algae, and certain bacteria produce. The carbon atom within CO2 is incorporated into complex molecules such as glucose, cellulose, and other carbohydrates through a series of reactions catalyzed by enzymes.</a:t>
             </a:r>
           </a:p>
           <a:p/>
           <a:p>
             <a:r>
-              <a:t>The electronic structure of chlorophyll allows it to absorb light most efficiently at wavelengths around 430 nanometers (violet-blue light) and 660 nanometers (red light). This is known as the absorption spectrum of chlorophyll. The reason for this specific absorption pattern lies in the arrangement of electrons within the chlorophyll molecule. When violet-blue or red light hits the chlorophyll, it excites the electrons in the molecule, causing them to move to a higher energy level.</a:t>
+              <a:t>The process begins when sunlight strikes the leaves of plants. Chlorophyll, a green pigment found in chloroplasts, absorbs light energy, which is then used to split water molecules into hydrogen and oxygen. The oxygen is released as a waste product, while the hydrogen is used in subsequent reactions.</a:t>
             </a:r>
           </a:p>
           <a:p/>
           <a:p>
             <a:r>
-              <a:t>Once excited, the electrons quickly return to their ground state, releasing the excess energy as heat. However, some of this energy is used to power the synthesis of ATP (adenosine triphosphate), a high-energy molecule that provides the energy required for other cellular processes. In addition, the energy is also used to convert carbon dioxide and water into glucose during the light-dependent reactions of photosynthesis.</a:t>
+              <a:t>The hydrogen, along with CO2, undergoes a series of reactions known as the Calvin cycle or carbon fixation. During this process, an enzyme called rubisco (ribulose bisphosphate carboxylase/oxygenase) facilitates the conversion of CO2 into an organic compound called 3-phosphoglycerate. This compound is then further converted into glucose and other carbohydrates.</a:t>
             </a:r>
           </a:p>
           <a:p/>
           <a:p>
             <a:r>
-              <a:t>Interestingly, chlorophyll does not absorb light in the yellow and green regions of the spectrum very well. This is because the energy of yellow and green light is not sufficient to excite the electrons in the chlorophyll molecule to a higher energy level. As a result, these wavelengths of light are reflected back from the leaves, giving them their green color.</a:t>
+              <a:t>It is important to note that the CO2 uptake by plants is not infinite. Factors such as the concentration of CO2 in the air, light intensity, and temperature can influence the rate of photosynthesis. For instance, an increase in CO2 concentration can lead to an enhancement of photosynthetic efficiency due to the higher availability of CO2 for the Calvin cycle.</a:t>
             </a:r>
           </a:p>
           <a:p/>
           <a:p>
             <a:r>
-              <a:t>The ability of chlorophyll to absorb specific wavelengths of light is not only important for photosynthesis but also has implications for the environment. For example, the absorption of red and blue light by chlorophyll can affect the distribution of light in aquatic environments. In terrestrial ecosystems, the reflection of green light by leaves can influence the growth of understory plants and the overall structure of the forest.</a:t>
+              <a:t>However, excessively high levels of CO2 can have negative effects on plant growth and development. High CO2 levels can interfere with the regulation of stomata, the tiny pores on the undersides of leaves that control gas exchange. When CO2 levels are high, plants may close their stomata to conserve water, but this also limits the influx of CO2 needed for photosynthesis. As a result, photosynthesis may be inhibited, leading to reduced growth and yield.</a:t>
             </a:r>
           </a:p>
           <a:p/>
           <a:p>
             <a:r>
-              <a:t>In conclusion, chlorophyll absorption plays a vital role in the process of photosynthesis. By absorbing light energy at specific wavelengths, chlorophyll powers the conversion of carbon dioxide and water into glucose and oxygen, providing the energy needed for life on Earth. Understanding the absorption properties of chlorophyll can help us better understand the functioning of ecosystems and the distribution of energy in both terrestrial and aquatic environments.</a:t>
+              <a:t>Moreover, the increased CO2 concentration in the atmosphere is a significant contributor to global warming and climate change. This is because CO2 is one of the major greenhouse gases that trap heat in the Earth's atmosphere, causing the average global temperature to rise.</a:t>
+            </a:r>
+          </a:p>
+          <a:p/>
+          <a:p>
+            <a:r>
+              <a:t>In conclusion, Carbon Dioxide is an integral component of photosynthesis, playing a crucial role in the production of organic compounds and the maintenance of oxygen levels in the atmosphere. However, while increases in CO2 can enhance photosynthetic efficiency under certain conditions, excessive levels can have detrimental effects on plant growth and contribute to global warming. Therefore, understanding the role of CO2 in photosynthesis is essential for developing strategies to mitigate climate change and ensure sustainable agriculture.</a:t>
             </a:r>
           </a:p>
         </p:txBody>
@@ -823,57 +850,41 @@
         <p:txBody>
           <a:bodyPr/>
           <a:lstStyle/>
-          <a:p>
-            <a:r>
-              <a:t>)</a:t>
-            </a:r>
-          </a:p>
           <a:p/>
-          <a:p>
-            <a:r>
-              <a:t>In the intricate dance of life, glucose plays a pivotal role as the primary energy currency for all living organisms. The production of this essential molecule is primarily achieved through photosynthesis in plants, algae, and some bacteria, while animals rely on glucose uptake from their diet or the conversion of other nutrients within their bodies.</a:t>
-            </a:r>
-          </a:p>
           <a:p/>
           <a:p>
             <a:r>
-              <a:t>The process of photosynthesis, carried out in the chloroplasts of plant cells, is an elegant combination of light-dependent and light-independent reactions. During the light-dependent reactions, photons are absorbed by chlorophyll and carotenoid pigments, initiating a series of events that ultimately lead to the generation of ATP (adenosine triphosphate) and NADPH (nicotinamide adenine dinucleotide phosphate). These high-energy compounds are crucial for driving the subsequent light-independent reactions, also known as the Calvin cycle.</a:t>
+              <a:t>Sunlight plays a pivotal role in the process of photosynthesis, which is the fundamental life-sustaining process for most organisms on Earth. This intricate biochemical reaction converts carbon dioxide and water into glucose (or other sugars) and releases oxygen as a byproduct. The primary source of energy for this transformation is sunlight.</a:t>
             </a:r>
           </a:p>
           <a:p/>
           <a:p>
             <a:r>
-              <a:t>In the Calvin cycle, carbon dioxide (CO2) is fixed into organic molecules, primarily in the form of three-carbon sugar, glyceraldehyde 3-phosphate (G3P). This fixation occurs in the stroma of the chloroplasts, where enzymes such as Rubisco (ribulose bisphosphate carboxylase/oxygenase) catalyze the reaction between CO2 and a five-carbon compound, ribulose 1,5-bisphosphate (RuBP), forming two molecules of G3P.</a:t>
+              <a:t>Photosynthesis can be divided into two main stages: the light-dependent reactions and the light-independent reactions, both of which are reliant on sunlight.</a:t>
             </a:r>
           </a:p>
           <a:p/>
           <a:p>
             <a:r>
-              <a:t>After the initial fixation, the G3P molecules undergo a series of transformations, resulting in the net synthesis of one molecule of triose phosphate per two original molecules of RuBP. The remaining two phosphate groups are recycled back to regenerate more RuBP, allowing the cycle to continue.</a:t>
+              <a:t>During the light-dependent reactions, which occur in the thylakoid membrane of chloroplasts, sunlight is absorbed by pigments such as chlorophyll, carotenoids, and phycobilins. This absorption of light energy triggers a series of events that lead to the creation of ATP (adenosine triphosphate) and NADPH (nicotinamide adenine dinucleotide phosphate). These molecules serve as high-energy currency and reducing agents, respectively, providing the necessary energy and electrons for the subsequent light-independent reactions.</a:t>
             </a:r>
           </a:p>
           <a:p/>
           <a:p>
             <a:r>
-              <a:t>The newly formed triose phosphates can then be converted into glucose or other sugars via various metabolic pathways, such as the pentose phosphate pathway, glycolysis, and the Calvin-Bassham cycle. These processes involve a complex interplay of enzymatic reactions, substrate transport, and energy coupling, ensuring that the necessary precursors for glucose synthesis are always available.</a:t>
+              <a:t>The light-independent reactions, also known as the Calvin cycle or carbon fixation, take place in the stroma of the chloroplasts. Here, carbon dioxide molecules are fixed into organic compounds through a series of enzymatic reactions. The initial step involves the conversion of ribulose bisphosphate (RuBP) into two molecules of 3-phosphoglycerate (3PG), using the energy from ATP and the electrons from NADPH. The 3PG then undergoes further transformations to eventually form glucose or other sugars.</a:t>
             </a:r>
           </a:p>
           <a:p/>
           <a:p>
             <a:r>
-              <a:t>It is worth noting that not all photosynthesized glucose remains within the plant cell. In fact, a significant portion is exported to other parts of the plant via the phloem, providing energy for growth and development. Additionally, glucose can be stored as starch within the chloroplasts or converted into sucrose and translocated to vacuoles for later use or storage.</a:t>
+              <a:t>It is essential to note that not all sunlight energy is efficiently utilized during photosynthesis. Some of the energy is lost as heat, while some is emitted as fluorescent light. Moreover, the efficiency of photosynthesis can be influenced by various factors such as temperature, light intensity, and the concentration of carbon dioxide. For instance, an increase in temperature beyond optimal levels can decrease the rate of photosynthesis, while a decrease in carbon dioxide concentration can hinder the fixation of carbon dioxide into organic compounds.</a:t>
             </a:r>
           </a:p>
           <a:p/>
           <a:p>
             <a:r>
-              <a:t>Plants can also adjust their glucose production rates based on environmental factors such as light intensity, temperature, and CO2 concentration. For example, during periods of low light, the rate of photosynthesis slows down, leading to a reduction in glucose production. Conversely, during periods of high light, plants may increase their rate of photosynthesis, thereby increasing glucose production.</a:t>
-            </a:r>
-          </a:p>
-          <a:p/>
-          <a:p>
-            <a:r>
-              <a:t>In conclusion, the production of</a:t>
+              <a:t>In conclusion, sunlight is indispensable for photosynthesis, serving as the primary source of energy. Through the light-dependent and light-independent reactions, carbon dioxide and water are converted into glucose, releasing oxygen as a byproduct. However, the efficiency of photosynthesis can be affected by environmental factors, making it crucial for organisms to adapt to their specific conditions to optimize this vital process. Understanding the intricacies of photosynthesis and its dependence on sunlight provides valuable insights into the workings of ecosystems and the potential impacts of climate change on these processes.</a:t>
             </a:r>
           </a:p>
         </p:txBody>
@@ -941,9 +952,47 @@
         <p:txBody>
           <a:bodyPr/>
           <a:lstStyle/>
-          <a:p>
-            <a:r>
-              <a:t>Here is a quick question for you to strenghten youre knowledge: !What is the specific wavelength range that chlorophyll absorbs most efficiently during photosynthesis?</a:t>
+          <a:p/>
+          <a:p/>
+          <a:p>
+            <a:r>
+              <a:t>Glucose, a simple sugar with the chemical formula C6H12O6, plays a crucial role in the process of photosynthesis. This essential biomolecule serves as a primary energy storage and transport molecule within plant cells. The process of photosynthesis, carried out by green plants, algae, and some bacteria, converts carbon dioxide, water, and light energy into glucose and oxygen.</a:t>
+            </a:r>
+          </a:p>
+          <a:p/>
+          <a:p>
+            <a:r>
+              <a:t>The process of photosynthesis can be divided into two main stages: the light-dependent reactions and the light-independent reactions, also known as the Calvin cycle. In the first stage, light energy is captured by pigments such as chlorophyll and carotenoids, located in the thylakoid membranes of chloroplasts. This energy is used to produce ATP (adenosine triphosphate) and NADPH (nicotinamide adenine dinucleotide phosphate), which are vital for the next phase of photosynthesis.</a:t>
+            </a:r>
+          </a:p>
+          <a:p/>
+          <a:p>
+            <a:r>
+              <a:t>ATP and NADPH are then utilized in the Calvin cycle, the second stage of photosynthesis, to convert carbon dioxide into glucose. The Calvin cycle takes place in the stroma of the chloroplasts. During this cycle, carbon dioxide is fixed into an organic compound called a five-carbon sugar, or RuBP (ribulose bisphosphate). This reaction requires energy from ATP and an electron donor from NADPH.</a:t>
+            </a:r>
+          </a:p>
+          <a:p/>
+          <a:p>
+            <a:r>
+              <a:t>The five-carbon sugar then splits into two three-carbon sugars, 3-phosphoglycerate. These intermediates are further processed through a series of reactions, resulting in the production of glucose-6-phosphate. This compound is then converted into glucose, ready for use by the plant or for storage.</a:t>
+            </a:r>
+          </a:p>
+          <a:p/>
+          <a:p>
+            <a:r>
+              <a:t>It is important to note that not all of the glucose produced in photosynthesis is stored within the plant. Some glucose is immediately used for energy needs, while excess glucose may be converted into other carbohydrates such as starch or cellulose for long-term storage.</a:t>
+            </a:r>
+          </a:p>
+          <a:p/>
+          <a:p>
+            <a:r>
+              <a:t>In addition to its role in photosynthesis, glucose is also involved in other metabolic pathways within the plant. For example, it can be broken down through glycolysis to produce ATP, providing energy for various cellular processes. Glucose can also be used in the synthesis of more complex compounds, such as polysaccharides, proteins, and lipids.</a:t>
+            </a:r>
+          </a:p>
+          <a:p/>
+          <a:p>
+            <a:r>
+              <a:t>In conclusion, glucose is a fundamental molecule in the process of photosynthesis, playing a key role in the conversion of carbon dioxide and light energy into glucose and oxygen. Its production and utilization within the plant are integral to the survival and growth of these organisms. Furthermore, glucose is involved in various metabolic pathways, serving as a versatile energy source and building block for many cellular components.</a:t>
             </a:r>
           </a:p>
         </p:txBody>
@@ -969,6 +1018,76 @@
 </file>
 
 <file path=ppt/notesSlides/notesSlide6.xml><?xml version="1.0" encoding="utf-8"?>
+<p:notes xmlns:a="http://schemas.openxmlformats.org/drawingml/2006/main" xmlns:p="http://schemas.openxmlformats.org/presentationml/2006/main" xmlns:r="http://schemas.openxmlformats.org/officeDocument/2006/relationships">
+  <p:cSld>
+    <p:spTree>
+      <p:nvGrpSpPr>
+        <p:cNvPr id="1" name=""/>
+        <p:cNvGrpSpPr/>
+        <p:nvPr/>
+      </p:nvGrpSpPr>
+      <p:grpSpPr>
+        <a:xfrm>
+          <a:off x="0" y="0"/>
+          <a:ext cx="0" cy="0"/>
+          <a:chOff x="0" y="0"/>
+          <a:chExt cx="0" cy="0"/>
+        </a:xfrm>
+      </p:grpSpPr>
+      <p:sp>
+        <p:nvSpPr>
+          <p:cNvPr id="2" name="Slide Image Placeholder 1"/>
+          <p:cNvSpPr>
+            <a:spLocks noGrp="1"/>
+          </p:cNvSpPr>
+          <p:nvPr>
+            <p:ph type="sldImg" idx="2"/>
+          </p:nvPr>
+        </p:nvSpPr>
+        <p:spPr/>
+      </p:sp>
+      <p:sp>
+        <p:nvSpPr>
+          <p:cNvPr id="3" name="Notes Placeholder 2"/>
+          <p:cNvSpPr>
+            <a:spLocks noGrp="1"/>
+          </p:cNvSpPr>
+          <p:nvPr>
+            <p:ph type="body" idx="3" sz="quarter"/>
+          </p:nvPr>
+        </p:nvSpPr>
+        <p:spPr/>
+        <p:txBody>
+          <a:bodyPr/>
+          <a:lstStyle/>
+          <a:p>
+            <a:r>
+              <a:t>Here is a quick question for you to strenghten youre knowledge:  What role does glucose play in photosynthesis?</a:t>
+            </a:r>
+          </a:p>
+        </p:txBody>
+      </p:sp>
+      <p:sp>
+        <p:nvSpPr>
+          <p:cNvPr id="4" name="Slide Number Placeholder 3"/>
+          <p:cNvSpPr>
+            <a:spLocks noGrp="1"/>
+          </p:cNvSpPr>
+          <p:nvPr>
+            <p:ph type="sldNum" idx="5" sz="quarter"/>
+          </p:nvPr>
+        </p:nvSpPr>
+        <p:spPr/>
+      </p:sp>
+    </p:spTree>
+  </p:cSld>
+  <p:clrMapOvr>
+    <a:masterClrMapping/>
+  </p:clrMapOvr>
+</p:notes>
+</file>
+
+<file path=ppt/notesSlides/notesSlide7.xml><?xml version="1.0" encoding="utf-8"?>
 <p:notes xmlns:a="http://schemas.openxmlformats.org/drawingml/2006/main" xmlns:p="http://schemas.openxmlformats.org/presentationml/2006/main" xmlns:r="http://schemas.openxmlformats.org/officeDocument/2006/relationships">
   <p:cSld>
     <p:spTree>
@@ -4208,7 +4327,7 @@
                 </a:solidFill>
                 <a:latin typeface="Arial"/>
               </a:rPr>
-              <a:t>Carbon dioxide and water</a:t>
+              <a:t>Chloroplasts</a:t>
             </a:r>
           </a:p>
         </p:txBody>
@@ -4326,7 +4445,7 @@
                 </a:solidFill>
                 <a:latin typeface="Arial"/>
               </a:rPr>
-              <a:t>Chlorophyll absorption</a:t>
+              <a:t>Carbon dioxide</a:t>
             </a:r>
           </a:p>
         </p:txBody>
@@ -4444,19 +4563,7 @@
                 </a:solidFill>
                 <a:latin typeface="Arial"/>
               </a:rPr>
-              <a:t>Glucose production.</a:t>
-            </a:r>
-          </a:p>
-          <a:p/>
-          <a:p>
-            <a:r>
-              <a:rPr sz="3200">
-                <a:solidFill>
-                  <a:srgbClr val="FFFFFF"/>
-                </a:solidFill>
-                <a:latin typeface="Arial"/>
-              </a:rPr>
-              <a:t>(car</a:t>
+              <a:t>Sunlight</a:t>
             </a:r>
           </a:p>
         </p:txBody>
@@ -4574,6 +4681,124 @@
                 </a:solidFill>
                 <a:latin typeface="Arial"/>
               </a:rPr>
+              <a:t>Glucose</a:t>
+            </a:r>
+          </a:p>
+        </p:txBody>
+      </p:sp>
+      <p:pic>
+        <p:nvPicPr>
+          <p:cNvPr id="5" name="Picture 4" descr="image4.jpeg"/>
+          <p:cNvPicPr>
+            <a:picLocks noChangeAspect="1"/>
+          </p:cNvPicPr>
+          <p:nvPr/>
+        </p:nvPicPr>
+        <p:blipFill>
+          <a:blip r:embed="rId3"/>
+          <a:stretch>
+            <a:fillRect/>
+          </a:stretch>
+        </p:blipFill>
+        <p:spPr>
+          <a:xfrm>
+            <a:off x="0" y="1097280"/>
+            <a:ext cx="11025301" cy="5760720"/>
+          </a:xfrm>
+          <a:prstGeom prst="rect">
+            <a:avLst/>
+          </a:prstGeom>
+        </p:spPr>
+      </p:pic>
+    </p:spTree>
+  </p:cSld>
+  <p:clrMapOvr>
+    <a:masterClrMapping/>
+  </p:clrMapOvr>
+</p:sld>
+</file>
+
+<file path=ppt/slides/slide6.xml><?xml version="1.0" encoding="utf-8"?>
+<p:sld xmlns:a="http://schemas.openxmlformats.org/drawingml/2006/main" xmlns:p="http://schemas.openxmlformats.org/presentationml/2006/main" xmlns:r="http://schemas.openxmlformats.org/officeDocument/2006/relationships">
+  <p:cSld>
+    <p:bg>
+      <p:bgPr>
+        <a:solidFill>
+          <a:srgbClr val="000000"/>
+        </a:solidFill>
+        <a:effectLst/>
+      </p:bgPr>
+    </p:bg>
+    <p:spTree>
+      <p:nvGrpSpPr>
+        <p:cNvPr id="1" name=""/>
+        <p:cNvGrpSpPr/>
+        <p:nvPr/>
+      </p:nvGrpSpPr>
+      <p:grpSpPr/>
+      <p:sp>
+        <p:nvSpPr>
+          <p:cNvPr id="2" name="Title 1"/>
+          <p:cNvSpPr>
+            <a:spLocks noGrp="1"/>
+          </p:cNvSpPr>
+          <p:nvPr>
+            <p:ph type="ctrTitle"/>
+          </p:nvPr>
+        </p:nvSpPr>
+        <p:spPr/>
+        <p:txBody>
+          <a:bodyPr/>
+          <a:lstStyle/>
+          <a:p/>
+        </p:txBody>
+      </p:sp>
+      <p:sp>
+        <p:nvSpPr>
+          <p:cNvPr id="3" name="Subtitle 2"/>
+          <p:cNvSpPr>
+            <a:spLocks noGrp="1"/>
+          </p:cNvSpPr>
+          <p:nvPr>
+            <p:ph type="subTitle" idx="1"/>
+          </p:nvPr>
+        </p:nvSpPr>
+        <p:spPr/>
+        <p:txBody>
+          <a:bodyPr/>
+          <a:lstStyle/>
+          <a:p/>
+        </p:txBody>
+      </p:sp>
+      <p:sp>
+        <p:nvSpPr>
+          <p:cNvPr id="4" name="TextBox 3"/>
+          <p:cNvSpPr txBox="1"/>
+          <p:nvPr/>
+        </p:nvSpPr>
+        <p:spPr>
+          <a:xfrm>
+            <a:off x="457200" y="457200"/>
+            <a:ext cx="7315200" cy="914400"/>
+          </a:xfrm>
+          <a:prstGeom prst="rect">
+            <a:avLst/>
+          </a:prstGeom>
+          <a:noFill/>
+        </p:spPr>
+        <p:txBody>
+          <a:bodyPr wrap="none">
+            <a:spAutoFit/>
+          </a:bodyPr>
+          <a:lstStyle/>
+          <a:p>
+            <a:r>
+              <a:rPr sz="3200">
+                <a:solidFill>
+                  <a:srgbClr val="FFFFFF"/>
+                </a:solidFill>
+                <a:latin typeface="Arial"/>
+              </a:rPr>
               <a:t>Ecercises</a:t>
             </a:r>
           </a:p>
@@ -4608,7 +4833,7 @@
                 </a:solidFill>
                 <a:latin typeface="Arial"/>
               </a:rPr>
-              <a:t>!What is the specific wavelength range that chlorophyll absorbs most efficiently during photosynthesis?</a:t>
+              <a:t> What role does glucose play in photosynthesis?</a:t>
             </a:r>
           </a:p>
         </p:txBody>
@@ -4621,7 +4846,7 @@
 </p:sld>
 </file>
 
-<file path=ppt/slides/slide6.xml><?xml version="1.0" encoding="utf-8"?>
+<file path=ppt/slides/slide7.xml><?xml version="1.0" encoding="utf-8"?>
 <p:sld xmlns:a="http://schemas.openxmlformats.org/drawingml/2006/main" xmlns:p="http://schemas.openxmlformats.org/presentationml/2006/main" xmlns:r="http://schemas.openxmlformats.org/officeDocument/2006/relationships">
   <p:cSld>
     <p:bg>
